--- a/slides/Chapter7.pptx
+++ b/slides/Chapter7.pptx
@@ -217,7 +217,7 @@
           <a:p>
             <a:fld id="{D2A48B96-639E-45A3-A0BA-2464DFDB1FAA}" type="datetimeFigureOut">
               <a:rPr lang="zh-CN" altLang="en-US" smtClean="0"/>
-              <a:t>2023/1/24</a:t>
+              <a:t>2023/1/28</a:t>
             </a:fld>
             <a:endParaRPr lang="zh-CN" altLang="en-US"/>
           </a:p>
@@ -1247,7 +1247,7 @@
           <a:p>
             <a:fld id="{D997B5FA-0921-464F-AAE1-844C04324D75}" type="datetimeFigureOut">
               <a:rPr lang="zh-CN" altLang="en-US" smtClean="0"/>
-              <a:t>2023/1/24</a:t>
+              <a:t>2023/1/28</a:t>
             </a:fld>
             <a:endParaRPr lang="zh-CN" altLang="en-US"/>
           </a:p>
@@ -1410,7 +1410,7 @@
           <a:p>
             <a:fld id="{D997B5FA-0921-464F-AAE1-844C04324D75}" type="datetimeFigureOut">
               <a:rPr lang="zh-CN" altLang="en-US" smtClean="0"/>
-              <a:t>2023/1/24</a:t>
+              <a:t>2023/1/28</a:t>
             </a:fld>
             <a:endParaRPr lang="zh-CN" altLang="en-US"/>
           </a:p>
@@ -1583,7 +1583,7 @@
           <a:p>
             <a:fld id="{D997B5FA-0921-464F-AAE1-844C04324D75}" type="datetimeFigureOut">
               <a:rPr lang="zh-CN" altLang="en-US" smtClean="0"/>
-              <a:t>2023/1/24</a:t>
+              <a:t>2023/1/28</a:t>
             </a:fld>
             <a:endParaRPr lang="zh-CN" altLang="en-US"/>
           </a:p>
@@ -2257,7 +2257,7 @@
           <a:p>
             <a:fld id="{760FBDFE-C587-4B4C-A407-44438C67B59E}" type="datetimeFigureOut">
               <a:rPr lang="zh-CN" altLang="en-US" smtClean="0"/>
-              <a:t>2023/1/24</a:t>
+              <a:t>2023/1/28</a:t>
             </a:fld>
             <a:endParaRPr lang="zh-CN" altLang="en-US"/>
           </a:p>
@@ -3125,7 +3125,7 @@
           <a:p>
             <a:fld id="{760FBDFE-C587-4B4C-A407-44438C67B59E}" type="datetimeFigureOut">
               <a:rPr lang="zh-CN" altLang="en-US" smtClean="0"/>
-              <a:t>2023/1/24</a:t>
+              <a:t>2023/1/28</a:t>
             </a:fld>
             <a:endParaRPr lang="zh-CN" altLang="en-US"/>
           </a:p>
@@ -3933,7 +3933,7 @@
           <a:p>
             <a:fld id="{760FBDFE-C587-4B4C-A407-44438C67B59E}" type="datetimeFigureOut">
               <a:rPr lang="zh-CN" altLang="en-US" smtClean="0"/>
-              <a:t>2023/1/24</a:t>
+              <a:t>2023/1/28</a:t>
             </a:fld>
             <a:endParaRPr lang="zh-CN" altLang="en-US"/>
           </a:p>
@@ -4670,7 +4670,7 @@
           <a:p>
             <a:fld id="{760FBDFE-C587-4B4C-A407-44438C67B59E}" type="datetimeFigureOut">
               <a:rPr lang="zh-CN" altLang="en-US" smtClean="0"/>
-              <a:t>2023/1/24</a:t>
+              <a:t>2023/1/28</a:t>
             </a:fld>
             <a:endParaRPr lang="zh-CN" altLang="en-US"/>
           </a:p>
@@ -5651,7 +5651,7 @@
           <a:p>
             <a:fld id="{760FBDFE-C587-4B4C-A407-44438C67B59E}" type="datetimeFigureOut">
               <a:rPr lang="zh-CN" altLang="en-US" smtClean="0"/>
-              <a:t>2023/1/24</a:t>
+              <a:t>2023/1/28</a:t>
             </a:fld>
             <a:endParaRPr lang="zh-CN" altLang="en-US"/>
           </a:p>
@@ -6274,7 +6274,7 @@
           <a:p>
             <a:fld id="{760FBDFE-C587-4B4C-A407-44438C67B59E}" type="datetimeFigureOut">
               <a:rPr lang="zh-CN" altLang="en-US" smtClean="0"/>
-              <a:t>2023/1/24</a:t>
+              <a:t>2023/1/28</a:t>
             </a:fld>
             <a:endParaRPr lang="zh-CN" altLang="en-US"/>
           </a:p>
@@ -6381,7 +6381,7 @@
           <a:p>
             <a:fld id="{760FBDFE-C587-4B4C-A407-44438C67B59E}" type="datetimeFigureOut">
               <a:rPr lang="zh-CN" altLang="en-US" smtClean="0"/>
-              <a:t>2023/1/24</a:t>
+              <a:t>2023/1/28</a:t>
             </a:fld>
             <a:endParaRPr lang="zh-CN" altLang="en-US"/>
           </a:p>
@@ -7007,7 +7007,7 @@
           <a:p>
             <a:fld id="{9EFD9D74-47D9-4702-A33C-335B63B48DBF}" type="datetimeFigureOut">
               <a:rPr lang="zh-CN" altLang="en-US" smtClean="0"/>
-              <a:t>2023/1/24</a:t>
+              <a:t>2023/1/28</a:t>
             </a:fld>
             <a:endParaRPr lang="zh-CN" altLang="en-US" dirty="0"/>
           </a:p>
@@ -7202,7 +7202,7 @@
           <a:p>
             <a:fld id="{D997B5FA-0921-464F-AAE1-844C04324D75}" type="datetimeFigureOut">
               <a:rPr lang="zh-CN" altLang="en-US" smtClean="0"/>
-              <a:t>2023/1/24</a:t>
+              <a:t>2023/1/28</a:t>
             </a:fld>
             <a:endParaRPr lang="zh-CN" altLang="en-US"/>
           </a:p>
@@ -7884,7 +7884,7 @@
           <a:p>
             <a:fld id="{760FBDFE-C587-4B4C-A407-44438C67B59E}" type="datetimeFigureOut">
               <a:rPr lang="zh-CN" altLang="en-US" smtClean="0"/>
-              <a:t>2023/1/24</a:t>
+              <a:t>2023/1/28</a:t>
             </a:fld>
             <a:endParaRPr lang="zh-CN" altLang="en-US"/>
           </a:p>
@@ -8420,7 +8420,7 @@
           <a:p>
             <a:fld id="{760FBDFE-C587-4B4C-A407-44438C67B59E}" type="datetimeFigureOut">
               <a:rPr lang="zh-CN" altLang="en-US" smtClean="0"/>
-              <a:t>2023/1/24</a:t>
+              <a:t>2023/1/28</a:t>
             </a:fld>
             <a:endParaRPr lang="zh-CN" altLang="en-US"/>
           </a:p>
@@ -9187,7 +9187,7 @@
           <a:p>
             <a:fld id="{760FBDFE-C587-4B4C-A407-44438C67B59E}" type="datetimeFigureOut">
               <a:rPr lang="zh-CN" altLang="en-US" smtClean="0"/>
-              <a:t>2023/1/24</a:t>
+              <a:t>2023/1/28</a:t>
             </a:fld>
             <a:endParaRPr lang="zh-CN" altLang="en-US"/>
           </a:p>
@@ -9653,7 +9653,7 @@
           <a:p>
             <a:fld id="{760FBDFE-C587-4B4C-A407-44438C67B59E}" type="datetimeFigureOut">
               <a:rPr lang="zh-CN" altLang="en-US" smtClean="0"/>
-              <a:t>2023/1/24</a:t>
+              <a:t>2023/1/28</a:t>
             </a:fld>
             <a:endParaRPr lang="zh-CN" altLang="en-US"/>
           </a:p>
@@ -10343,7 +10343,7 @@
           <a:p>
             <a:fld id="{760FBDFE-C587-4B4C-A407-44438C67B59E}" type="datetimeFigureOut">
               <a:rPr lang="zh-CN" altLang="en-US" smtClean="0"/>
-              <a:t>2023/1/24</a:t>
+              <a:t>2023/1/28</a:t>
             </a:fld>
             <a:endParaRPr lang="zh-CN" altLang="en-US"/>
           </a:p>
@@ -10817,7 +10817,7 @@
           <a:p>
             <a:fld id="{760FBDFE-C587-4B4C-A407-44438C67B59E}" type="datetimeFigureOut">
               <a:rPr lang="zh-CN" altLang="en-US" smtClean="0"/>
-              <a:t>2023/1/24</a:t>
+              <a:t>2023/1/28</a:t>
             </a:fld>
             <a:endParaRPr lang="zh-CN" altLang="en-US" dirty="0"/>
           </a:p>
@@ -11543,7 +11543,7 @@
           <a:p>
             <a:fld id="{760FBDFE-C587-4B4C-A407-44438C67B59E}" type="datetimeFigureOut">
               <a:rPr lang="zh-CN" altLang="en-US" smtClean="0"/>
-              <a:t>2023/1/24</a:t>
+              <a:t>2023/1/28</a:t>
             </a:fld>
             <a:endParaRPr lang="zh-CN" altLang="en-US"/>
           </a:p>
@@ -12183,7 +12183,7 @@
           <a:p>
             <a:fld id="{760FBDFE-C587-4B4C-A407-44438C67B59E}" type="datetimeFigureOut">
               <a:rPr lang="zh-CN" altLang="en-US" smtClean="0"/>
-              <a:t>2023/1/24</a:t>
+              <a:t>2023/1/28</a:t>
             </a:fld>
             <a:endParaRPr lang="zh-CN" altLang="en-US"/>
           </a:p>
@@ -12610,7 +12610,7 @@
           <a:p>
             <a:fld id="{760FBDFE-C587-4B4C-A407-44438C67B59E}" type="datetimeFigureOut">
               <a:rPr lang="zh-CN" altLang="en-US" smtClean="0"/>
-              <a:t>2023/1/24</a:t>
+              <a:t>2023/1/28</a:t>
             </a:fld>
             <a:endParaRPr lang="zh-CN" altLang="en-US"/>
           </a:p>
@@ -13810,7 +13810,7 @@
           <a:p>
             <a:fld id="{760FBDFE-C587-4B4C-A407-44438C67B59E}" type="datetimeFigureOut">
               <a:rPr lang="zh-CN" altLang="en-US" smtClean="0"/>
-              <a:t>2023/1/24</a:t>
+              <a:t>2023/1/28</a:t>
             </a:fld>
             <a:endParaRPr lang="zh-CN" altLang="en-US"/>
           </a:p>
@@ -14129,7 +14129,7 @@
           <a:p>
             <a:fld id="{D997B5FA-0921-464F-AAE1-844C04324D75}" type="datetimeFigureOut">
               <a:rPr lang="zh-CN" altLang="en-US" smtClean="0"/>
-              <a:t>2023/1/24</a:t>
+              <a:t>2023/1/28</a:t>
             </a:fld>
             <a:endParaRPr lang="zh-CN" altLang="en-US"/>
           </a:p>
@@ -14353,7 +14353,7 @@
           <a:p>
             <a:fld id="{D997B5FA-0921-464F-AAE1-844C04324D75}" type="datetimeFigureOut">
               <a:rPr lang="zh-CN" altLang="en-US" smtClean="0"/>
-              <a:t>2023/1/24</a:t>
+              <a:t>2023/1/28</a:t>
             </a:fld>
             <a:endParaRPr lang="zh-CN" altLang="en-US"/>
           </a:p>
@@ -14712,7 +14712,7 @@
           <a:p>
             <a:fld id="{D997B5FA-0921-464F-AAE1-844C04324D75}" type="datetimeFigureOut">
               <a:rPr lang="zh-CN" altLang="en-US" smtClean="0"/>
-              <a:t>2023/1/24</a:t>
+              <a:t>2023/1/28</a:t>
             </a:fld>
             <a:endParaRPr lang="zh-CN" altLang="en-US"/>
           </a:p>
@@ -14824,7 +14824,7 @@
           <a:p>
             <a:fld id="{D997B5FA-0921-464F-AAE1-844C04324D75}" type="datetimeFigureOut">
               <a:rPr lang="zh-CN" altLang="en-US" smtClean="0"/>
-              <a:t>2023/1/24</a:t>
+              <a:t>2023/1/28</a:t>
             </a:fld>
             <a:endParaRPr lang="zh-CN" altLang="en-US"/>
           </a:p>
@@ -14914,7 +14914,7 @@
           <a:p>
             <a:fld id="{D997B5FA-0921-464F-AAE1-844C04324D75}" type="datetimeFigureOut">
               <a:rPr lang="zh-CN" altLang="en-US" smtClean="0"/>
-              <a:t>2023/1/24</a:t>
+              <a:t>2023/1/28</a:t>
             </a:fld>
             <a:endParaRPr lang="zh-CN" altLang="en-US"/>
           </a:p>
@@ -15184,7 +15184,7 @@
           <a:p>
             <a:fld id="{D997B5FA-0921-464F-AAE1-844C04324D75}" type="datetimeFigureOut">
               <a:rPr lang="zh-CN" altLang="en-US" smtClean="0"/>
-              <a:t>2023/1/24</a:t>
+              <a:t>2023/1/28</a:t>
             </a:fld>
             <a:endParaRPr lang="zh-CN" altLang="en-US"/>
           </a:p>
@@ -15431,7 +15431,7 @@
           <a:p>
             <a:fld id="{D997B5FA-0921-464F-AAE1-844C04324D75}" type="datetimeFigureOut">
               <a:rPr lang="zh-CN" altLang="en-US" smtClean="0"/>
-              <a:t>2023/1/24</a:t>
+              <a:t>2023/1/28</a:t>
             </a:fld>
             <a:endParaRPr lang="zh-CN" altLang="en-US"/>
           </a:p>
@@ -15637,7 +15637,7 @@
           <a:p>
             <a:fld id="{D997B5FA-0921-464F-AAE1-844C04324D75}" type="datetimeFigureOut">
               <a:rPr lang="zh-CN" altLang="en-US" smtClean="0"/>
-              <a:t>2023/1/24</a:t>
+              <a:t>2023/1/28</a:t>
             </a:fld>
             <a:endParaRPr lang="zh-CN" altLang="en-US"/>
           </a:p>
@@ -16184,7 +16184,7 @@
           <a:p>
             <a:fld id="{760FBDFE-C587-4B4C-A407-44438C67B59E}" type="datetimeFigureOut">
               <a:rPr lang="zh-CN" altLang="en-US" smtClean="0"/>
-              <a:t>2023/1/24</a:t>
+              <a:t>2023/1/28</a:t>
             </a:fld>
             <a:endParaRPr lang="zh-CN" altLang="en-US"/>
           </a:p>
@@ -18814,7 +18814,7 @@
             </p:custDataLst>
             <p:extLst>
               <p:ext uri="{D42A27DB-BD31-4B8C-83A1-F6EECF244321}">
-                <p14:modId xmlns:p14="http://schemas.microsoft.com/office/powerpoint/2010/main" val="3062454020"/>
+                <p14:modId xmlns:p14="http://schemas.microsoft.com/office/powerpoint/2010/main" val="320911276"/>
               </p:ext>
             </p:extLst>
           </p:nvPr>
@@ -18905,7 +18905,7 @@
                           <a:ea typeface="+mn-ea"/>
                           <a:cs typeface="+mn-cs"/>
                         </a:rPr>
-                        <a:t>Stay Hungry Stay Foolish</a:t>
+                        <a:t>Stay Hungry Stay Foolish.</a:t>
                       </a:r>
                     </a:p>
                   </a:txBody>

--- a/slides/Chapter7.pptx
+++ b/slides/Chapter7.pptx
@@ -217,7 +217,7 @@
           <a:p>
             <a:fld id="{D2A48B96-639E-45A3-A0BA-2464DFDB1FAA}" type="datetimeFigureOut">
               <a:rPr lang="zh-CN" altLang="en-US" smtClean="0"/>
-              <a:t>2023/1/28</a:t>
+              <a:t>2023/3/12</a:t>
             </a:fld>
             <a:endParaRPr lang="zh-CN" altLang="en-US"/>
           </a:p>
@@ -1247,7 +1247,7 @@
           <a:p>
             <a:fld id="{D997B5FA-0921-464F-AAE1-844C04324D75}" type="datetimeFigureOut">
               <a:rPr lang="zh-CN" altLang="en-US" smtClean="0"/>
-              <a:t>2023/1/28</a:t>
+              <a:t>2023/3/12</a:t>
             </a:fld>
             <a:endParaRPr lang="zh-CN" altLang="en-US"/>
           </a:p>
@@ -1410,7 +1410,7 @@
           <a:p>
             <a:fld id="{D997B5FA-0921-464F-AAE1-844C04324D75}" type="datetimeFigureOut">
               <a:rPr lang="zh-CN" altLang="en-US" smtClean="0"/>
-              <a:t>2023/1/28</a:t>
+              <a:t>2023/3/12</a:t>
             </a:fld>
             <a:endParaRPr lang="zh-CN" altLang="en-US"/>
           </a:p>
@@ -1583,7 +1583,7 @@
           <a:p>
             <a:fld id="{D997B5FA-0921-464F-AAE1-844C04324D75}" type="datetimeFigureOut">
               <a:rPr lang="zh-CN" altLang="en-US" smtClean="0"/>
-              <a:t>2023/1/28</a:t>
+              <a:t>2023/3/12</a:t>
             </a:fld>
             <a:endParaRPr lang="zh-CN" altLang="en-US"/>
           </a:p>
@@ -2257,7 +2257,7 @@
           <a:p>
             <a:fld id="{760FBDFE-C587-4B4C-A407-44438C67B59E}" type="datetimeFigureOut">
               <a:rPr lang="zh-CN" altLang="en-US" smtClean="0"/>
-              <a:t>2023/1/28</a:t>
+              <a:t>2023/3/12</a:t>
             </a:fld>
             <a:endParaRPr lang="zh-CN" altLang="en-US"/>
           </a:p>
@@ -3125,7 +3125,7 @@
           <a:p>
             <a:fld id="{760FBDFE-C587-4B4C-A407-44438C67B59E}" type="datetimeFigureOut">
               <a:rPr lang="zh-CN" altLang="en-US" smtClean="0"/>
-              <a:t>2023/1/28</a:t>
+              <a:t>2023/3/12</a:t>
             </a:fld>
             <a:endParaRPr lang="zh-CN" altLang="en-US"/>
           </a:p>
@@ -3933,7 +3933,7 @@
           <a:p>
             <a:fld id="{760FBDFE-C587-4B4C-A407-44438C67B59E}" type="datetimeFigureOut">
               <a:rPr lang="zh-CN" altLang="en-US" smtClean="0"/>
-              <a:t>2023/1/28</a:t>
+              <a:t>2023/3/12</a:t>
             </a:fld>
             <a:endParaRPr lang="zh-CN" altLang="en-US"/>
           </a:p>
@@ -4670,7 +4670,7 @@
           <a:p>
             <a:fld id="{760FBDFE-C587-4B4C-A407-44438C67B59E}" type="datetimeFigureOut">
               <a:rPr lang="zh-CN" altLang="en-US" smtClean="0"/>
-              <a:t>2023/1/28</a:t>
+              <a:t>2023/3/12</a:t>
             </a:fld>
             <a:endParaRPr lang="zh-CN" altLang="en-US"/>
           </a:p>
@@ -5651,7 +5651,7 @@
           <a:p>
             <a:fld id="{760FBDFE-C587-4B4C-A407-44438C67B59E}" type="datetimeFigureOut">
               <a:rPr lang="zh-CN" altLang="en-US" smtClean="0"/>
-              <a:t>2023/1/28</a:t>
+              <a:t>2023/3/12</a:t>
             </a:fld>
             <a:endParaRPr lang="zh-CN" altLang="en-US"/>
           </a:p>
@@ -6274,7 +6274,7 @@
           <a:p>
             <a:fld id="{760FBDFE-C587-4B4C-A407-44438C67B59E}" type="datetimeFigureOut">
               <a:rPr lang="zh-CN" altLang="en-US" smtClean="0"/>
-              <a:t>2023/1/28</a:t>
+              <a:t>2023/3/12</a:t>
             </a:fld>
             <a:endParaRPr lang="zh-CN" altLang="en-US"/>
           </a:p>
@@ -6381,7 +6381,7 @@
           <a:p>
             <a:fld id="{760FBDFE-C587-4B4C-A407-44438C67B59E}" type="datetimeFigureOut">
               <a:rPr lang="zh-CN" altLang="en-US" smtClean="0"/>
-              <a:t>2023/1/28</a:t>
+              <a:t>2023/3/12</a:t>
             </a:fld>
             <a:endParaRPr lang="zh-CN" altLang="en-US"/>
           </a:p>
@@ -7007,7 +7007,7 @@
           <a:p>
             <a:fld id="{9EFD9D74-47D9-4702-A33C-335B63B48DBF}" type="datetimeFigureOut">
               <a:rPr lang="zh-CN" altLang="en-US" smtClean="0"/>
-              <a:t>2023/1/28</a:t>
+              <a:t>2023/3/12</a:t>
             </a:fld>
             <a:endParaRPr lang="zh-CN" altLang="en-US" dirty="0"/>
           </a:p>
@@ -7202,7 +7202,7 @@
           <a:p>
             <a:fld id="{D997B5FA-0921-464F-AAE1-844C04324D75}" type="datetimeFigureOut">
               <a:rPr lang="zh-CN" altLang="en-US" smtClean="0"/>
-              <a:t>2023/1/28</a:t>
+              <a:t>2023/3/12</a:t>
             </a:fld>
             <a:endParaRPr lang="zh-CN" altLang="en-US"/>
           </a:p>
@@ -7884,7 +7884,7 @@
           <a:p>
             <a:fld id="{760FBDFE-C587-4B4C-A407-44438C67B59E}" type="datetimeFigureOut">
               <a:rPr lang="zh-CN" altLang="en-US" smtClean="0"/>
-              <a:t>2023/1/28</a:t>
+              <a:t>2023/3/12</a:t>
             </a:fld>
             <a:endParaRPr lang="zh-CN" altLang="en-US"/>
           </a:p>
@@ -8420,7 +8420,7 @@
           <a:p>
             <a:fld id="{760FBDFE-C587-4B4C-A407-44438C67B59E}" type="datetimeFigureOut">
               <a:rPr lang="zh-CN" altLang="en-US" smtClean="0"/>
-              <a:t>2023/1/28</a:t>
+              <a:t>2023/3/12</a:t>
             </a:fld>
             <a:endParaRPr lang="zh-CN" altLang="en-US"/>
           </a:p>
@@ -9187,7 +9187,7 @@
           <a:p>
             <a:fld id="{760FBDFE-C587-4B4C-A407-44438C67B59E}" type="datetimeFigureOut">
               <a:rPr lang="zh-CN" altLang="en-US" smtClean="0"/>
-              <a:t>2023/1/28</a:t>
+              <a:t>2023/3/12</a:t>
             </a:fld>
             <a:endParaRPr lang="zh-CN" altLang="en-US"/>
           </a:p>
@@ -9653,7 +9653,7 @@
           <a:p>
             <a:fld id="{760FBDFE-C587-4B4C-A407-44438C67B59E}" type="datetimeFigureOut">
               <a:rPr lang="zh-CN" altLang="en-US" smtClean="0"/>
-              <a:t>2023/1/28</a:t>
+              <a:t>2023/3/12</a:t>
             </a:fld>
             <a:endParaRPr lang="zh-CN" altLang="en-US"/>
           </a:p>
@@ -10343,7 +10343,7 @@
           <a:p>
             <a:fld id="{760FBDFE-C587-4B4C-A407-44438C67B59E}" type="datetimeFigureOut">
               <a:rPr lang="zh-CN" altLang="en-US" smtClean="0"/>
-              <a:t>2023/1/28</a:t>
+              <a:t>2023/3/12</a:t>
             </a:fld>
             <a:endParaRPr lang="zh-CN" altLang="en-US"/>
           </a:p>
@@ -10817,7 +10817,7 @@
           <a:p>
             <a:fld id="{760FBDFE-C587-4B4C-A407-44438C67B59E}" type="datetimeFigureOut">
               <a:rPr lang="zh-CN" altLang="en-US" smtClean="0"/>
-              <a:t>2023/1/28</a:t>
+              <a:t>2023/3/12</a:t>
             </a:fld>
             <a:endParaRPr lang="zh-CN" altLang="en-US" dirty="0"/>
           </a:p>
@@ -11543,7 +11543,7 @@
           <a:p>
             <a:fld id="{760FBDFE-C587-4B4C-A407-44438C67B59E}" type="datetimeFigureOut">
               <a:rPr lang="zh-CN" altLang="en-US" smtClean="0"/>
-              <a:t>2023/1/28</a:t>
+              <a:t>2023/3/12</a:t>
             </a:fld>
             <a:endParaRPr lang="zh-CN" altLang="en-US"/>
           </a:p>
@@ -12183,7 +12183,7 @@
           <a:p>
             <a:fld id="{760FBDFE-C587-4B4C-A407-44438C67B59E}" type="datetimeFigureOut">
               <a:rPr lang="zh-CN" altLang="en-US" smtClean="0"/>
-              <a:t>2023/1/28</a:t>
+              <a:t>2023/3/12</a:t>
             </a:fld>
             <a:endParaRPr lang="zh-CN" altLang="en-US"/>
           </a:p>
@@ -12610,7 +12610,7 @@
           <a:p>
             <a:fld id="{760FBDFE-C587-4B4C-A407-44438C67B59E}" type="datetimeFigureOut">
               <a:rPr lang="zh-CN" altLang="en-US" smtClean="0"/>
-              <a:t>2023/1/28</a:t>
+              <a:t>2023/3/12</a:t>
             </a:fld>
             <a:endParaRPr lang="zh-CN" altLang="en-US"/>
           </a:p>
@@ -13810,7 +13810,7 @@
           <a:p>
             <a:fld id="{760FBDFE-C587-4B4C-A407-44438C67B59E}" type="datetimeFigureOut">
               <a:rPr lang="zh-CN" altLang="en-US" smtClean="0"/>
-              <a:t>2023/1/28</a:t>
+              <a:t>2023/3/12</a:t>
             </a:fld>
             <a:endParaRPr lang="zh-CN" altLang="en-US"/>
           </a:p>
@@ -14129,7 +14129,7 @@
           <a:p>
             <a:fld id="{D997B5FA-0921-464F-AAE1-844C04324D75}" type="datetimeFigureOut">
               <a:rPr lang="zh-CN" altLang="en-US" smtClean="0"/>
-              <a:t>2023/1/28</a:t>
+              <a:t>2023/3/12</a:t>
             </a:fld>
             <a:endParaRPr lang="zh-CN" altLang="en-US"/>
           </a:p>
@@ -14353,7 +14353,7 @@
           <a:p>
             <a:fld id="{D997B5FA-0921-464F-AAE1-844C04324D75}" type="datetimeFigureOut">
               <a:rPr lang="zh-CN" altLang="en-US" smtClean="0"/>
-              <a:t>2023/1/28</a:t>
+              <a:t>2023/3/12</a:t>
             </a:fld>
             <a:endParaRPr lang="zh-CN" altLang="en-US"/>
           </a:p>
@@ -14712,7 +14712,7 @@
           <a:p>
             <a:fld id="{D997B5FA-0921-464F-AAE1-844C04324D75}" type="datetimeFigureOut">
               <a:rPr lang="zh-CN" altLang="en-US" smtClean="0"/>
-              <a:t>2023/1/28</a:t>
+              <a:t>2023/3/12</a:t>
             </a:fld>
             <a:endParaRPr lang="zh-CN" altLang="en-US"/>
           </a:p>
@@ -14824,7 +14824,7 @@
           <a:p>
             <a:fld id="{D997B5FA-0921-464F-AAE1-844C04324D75}" type="datetimeFigureOut">
               <a:rPr lang="zh-CN" altLang="en-US" smtClean="0"/>
-              <a:t>2023/1/28</a:t>
+              <a:t>2023/3/12</a:t>
             </a:fld>
             <a:endParaRPr lang="zh-CN" altLang="en-US"/>
           </a:p>
@@ -14914,7 +14914,7 @@
           <a:p>
             <a:fld id="{D997B5FA-0921-464F-AAE1-844C04324D75}" type="datetimeFigureOut">
               <a:rPr lang="zh-CN" altLang="en-US" smtClean="0"/>
-              <a:t>2023/1/28</a:t>
+              <a:t>2023/3/12</a:t>
             </a:fld>
             <a:endParaRPr lang="zh-CN" altLang="en-US"/>
           </a:p>
@@ -15184,7 +15184,7 @@
           <a:p>
             <a:fld id="{D997B5FA-0921-464F-AAE1-844C04324D75}" type="datetimeFigureOut">
               <a:rPr lang="zh-CN" altLang="en-US" smtClean="0"/>
-              <a:t>2023/1/28</a:t>
+              <a:t>2023/3/12</a:t>
             </a:fld>
             <a:endParaRPr lang="zh-CN" altLang="en-US"/>
           </a:p>
@@ -15431,7 +15431,7 @@
           <a:p>
             <a:fld id="{D997B5FA-0921-464F-AAE1-844C04324D75}" type="datetimeFigureOut">
               <a:rPr lang="zh-CN" altLang="en-US" smtClean="0"/>
-              <a:t>2023/1/28</a:t>
+              <a:t>2023/3/12</a:t>
             </a:fld>
             <a:endParaRPr lang="zh-CN" altLang="en-US"/>
           </a:p>
@@ -15637,7 +15637,7 @@
           <a:p>
             <a:fld id="{D997B5FA-0921-464F-AAE1-844C04324D75}" type="datetimeFigureOut">
               <a:rPr lang="zh-CN" altLang="en-US" smtClean="0"/>
-              <a:t>2023/1/28</a:t>
+              <a:t>2023/3/12</a:t>
             </a:fld>
             <a:endParaRPr lang="zh-CN" altLang="en-US"/>
           </a:p>
@@ -16184,7 +16184,7 @@
           <a:p>
             <a:fld id="{760FBDFE-C587-4B4C-A407-44438C67B59E}" type="datetimeFigureOut">
               <a:rPr lang="zh-CN" altLang="en-US" smtClean="0"/>
-              <a:t>2023/1/28</a:t>
+              <a:t>2023/3/12</a:t>
             </a:fld>
             <a:endParaRPr lang="zh-CN" altLang="en-US"/>
           </a:p>
@@ -19276,7 +19276,7 @@
                 <a:ea typeface="等线" panose="02010600030101010101" pitchFamily="2" charset="-122"/>
                 <a:cs typeface="Courier New" panose="02070309020205020404" pitchFamily="49" charset="0"/>
               </a:rPr>
-              <a:t>"data.txt"</a:t>
+              <a:t>"quotes.txt"</a:t>
             </a:r>
             <a:r>
               <a:rPr lang="en-US" altLang="zh-CN" sz="1800" b="1" kern="0">
